--- a/doc/Our story cards.pptx
+++ b/doc/Our story cards.pptx
@@ -26,6 +26,7 @@
     <p:sldId id="273" r:id="rId20"/>
     <p:sldId id="275" r:id="rId21"/>
     <p:sldId id="276" r:id="rId22"/>
+    <p:sldId id="281" r:id="rId23"/>
   </p:sldIdLst>
   <p:sldSz cx="9906000" cy="6858000" type="A4"/>
   <p:notesSz cx="6858000" cy="9144000"/>
@@ -325,7 +326,7 @@
             <a:fld id="{1585DAA5-6BE2-467A-90B2-00E985D86198}" type="datetimeFigureOut">
               <a:rPr lang="en-AU" smtClean="0"/>
               <a:pPr/>
-              <a:t>24/08/2016</a:t>
+              <a:t>5/10/2016</a:t>
             </a:fld>
             <a:endParaRPr lang="en-AU"/>
           </a:p>
@@ -492,7 +493,7 @@
             <a:fld id="{1585DAA5-6BE2-467A-90B2-00E985D86198}" type="datetimeFigureOut">
               <a:rPr lang="en-AU" smtClean="0"/>
               <a:pPr/>
-              <a:t>24/08/2016</a:t>
+              <a:t>5/10/2016</a:t>
             </a:fld>
             <a:endParaRPr lang="en-AU"/>
           </a:p>
@@ -669,7 +670,7 @@
             <a:fld id="{1585DAA5-6BE2-467A-90B2-00E985D86198}" type="datetimeFigureOut">
               <a:rPr lang="en-AU" smtClean="0"/>
               <a:pPr/>
-              <a:t>24/08/2016</a:t>
+              <a:t>5/10/2016</a:t>
             </a:fld>
             <a:endParaRPr lang="en-AU"/>
           </a:p>
@@ -836,7 +837,7 @@
             <a:fld id="{1585DAA5-6BE2-467A-90B2-00E985D86198}" type="datetimeFigureOut">
               <a:rPr lang="en-AU" smtClean="0"/>
               <a:pPr/>
-              <a:t>24/08/2016</a:t>
+              <a:t>5/10/2016</a:t>
             </a:fld>
             <a:endParaRPr lang="en-AU"/>
           </a:p>
@@ -1079,7 +1080,7 @@
             <a:fld id="{1585DAA5-6BE2-467A-90B2-00E985D86198}" type="datetimeFigureOut">
               <a:rPr lang="en-AU" smtClean="0"/>
               <a:pPr/>
-              <a:t>24/08/2016</a:t>
+              <a:t>5/10/2016</a:t>
             </a:fld>
             <a:endParaRPr lang="en-AU"/>
           </a:p>
@@ -1364,7 +1365,7 @@
             <a:fld id="{1585DAA5-6BE2-467A-90B2-00E985D86198}" type="datetimeFigureOut">
               <a:rPr lang="en-AU" smtClean="0"/>
               <a:pPr/>
-              <a:t>24/08/2016</a:t>
+              <a:t>5/10/2016</a:t>
             </a:fld>
             <a:endParaRPr lang="en-AU"/>
           </a:p>
@@ -1783,7 +1784,7 @@
             <a:fld id="{1585DAA5-6BE2-467A-90B2-00E985D86198}" type="datetimeFigureOut">
               <a:rPr lang="en-AU" smtClean="0"/>
               <a:pPr/>
-              <a:t>24/08/2016</a:t>
+              <a:t>5/10/2016</a:t>
             </a:fld>
             <a:endParaRPr lang="en-AU"/>
           </a:p>
@@ -1898,7 +1899,7 @@
             <a:fld id="{1585DAA5-6BE2-467A-90B2-00E985D86198}" type="datetimeFigureOut">
               <a:rPr lang="en-AU" smtClean="0"/>
               <a:pPr/>
-              <a:t>24/08/2016</a:t>
+              <a:t>5/10/2016</a:t>
             </a:fld>
             <a:endParaRPr lang="en-AU"/>
           </a:p>
@@ -1990,7 +1991,7 @@
             <a:fld id="{1585DAA5-6BE2-467A-90B2-00E985D86198}" type="datetimeFigureOut">
               <a:rPr lang="en-AU" smtClean="0"/>
               <a:pPr/>
-              <a:t>24/08/2016</a:t>
+              <a:t>5/10/2016</a:t>
             </a:fld>
             <a:endParaRPr lang="en-AU"/>
           </a:p>
@@ -2264,7 +2265,7 @@
             <a:fld id="{1585DAA5-6BE2-467A-90B2-00E985D86198}" type="datetimeFigureOut">
               <a:rPr lang="en-AU" smtClean="0"/>
               <a:pPr/>
-              <a:t>24/08/2016</a:t>
+              <a:t>5/10/2016</a:t>
             </a:fld>
             <a:endParaRPr lang="en-AU"/>
           </a:p>
@@ -2514,7 +2515,7 @@
             <a:fld id="{1585DAA5-6BE2-467A-90B2-00E985D86198}" type="datetimeFigureOut">
               <a:rPr lang="en-AU" smtClean="0"/>
               <a:pPr/>
-              <a:t>24/08/2016</a:t>
+              <a:t>5/10/2016</a:t>
             </a:fld>
             <a:endParaRPr lang="en-AU"/>
           </a:p>
@@ -2724,7 +2725,7 @@
             <a:fld id="{1585DAA5-6BE2-467A-90B2-00E985D86198}" type="datetimeFigureOut">
               <a:rPr lang="en-AU" smtClean="0"/>
               <a:pPr/>
-              <a:t>24/08/2016</a:t>
+              <a:t>5/10/2016</a:t>
             </a:fld>
             <a:endParaRPr lang="en-AU"/>
           </a:p>
@@ -9756,6 +9757,567 @@
 </p:sld>
 </file>
 
+<file path=ppt/slides/slide22.xml><?xml version="1.0" encoding="utf-8"?>
+<p:sld xmlns:a="http://schemas.openxmlformats.org/drawingml/2006/main" xmlns:r="http://schemas.openxmlformats.org/officeDocument/2006/relationships" xmlns:p="http://schemas.openxmlformats.org/presentationml/2006/main">
+  <p:cSld>
+    <p:spTree>
+      <p:nvGrpSpPr>
+        <p:cNvPr id="1" name=""/>
+        <p:cNvGrpSpPr/>
+        <p:nvPr/>
+      </p:nvGrpSpPr>
+      <p:grpSpPr>
+        <a:xfrm>
+          <a:off x="0" y="0"/>
+          <a:ext cx="0" cy="0"/>
+          <a:chOff x="0" y="0"/>
+          <a:chExt cx="0" cy="0"/>
+        </a:xfrm>
+      </p:grpSpPr>
+      <p:sp>
+        <p:nvSpPr>
+          <p:cNvPr id="4" name="Rectangle 3"/>
+          <p:cNvSpPr/>
+          <p:nvPr/>
+        </p:nvSpPr>
+        <p:spPr>
+          <a:xfrm>
+            <a:off x="39153" y="109410"/>
+            <a:ext cx="720000" cy="540000"/>
+          </a:xfrm>
+          <a:prstGeom prst="rect">
+            <a:avLst/>
+          </a:prstGeom>
+          <a:solidFill>
+            <a:schemeClr val="accent1">
+              <a:lumMod val="40000"/>
+              <a:lumOff val="60000"/>
+            </a:schemeClr>
+          </a:solidFill>
+          <a:ln>
+            <a:solidFill>
+              <a:schemeClr val="accent1">
+                <a:lumMod val="50000"/>
+              </a:schemeClr>
+            </a:solidFill>
+          </a:ln>
+        </p:spPr>
+        <p:style>
+          <a:lnRef idx="2">
+            <a:schemeClr val="accent1">
+              <a:shade val="50000"/>
+            </a:schemeClr>
+          </a:lnRef>
+          <a:fillRef idx="1">
+            <a:schemeClr val="accent1"/>
+          </a:fillRef>
+          <a:effectRef idx="0">
+            <a:schemeClr val="accent1"/>
+          </a:effectRef>
+          <a:fontRef idx="minor">
+            <a:schemeClr val="lt1"/>
+          </a:fontRef>
+        </p:style>
+        <p:txBody>
+          <a:bodyPr wrap="square" lIns="0" rIns="0" rtlCol="0" anchor="ctr"/>
+          <a:lstStyle/>
+          <a:p>
+            <a:pPr algn="ctr"/>
+            <a:r>
+              <a:rPr lang="en-AU" sz="2000" dirty="0">
+                <a:solidFill>
+                  <a:schemeClr val="tx1"/>
+                </a:solidFill>
+              </a:rPr>
+              <a:t>Story </a:t>
+            </a:r>
+            <a:r>
+              <a:rPr lang="en-AU" sz="2000" dirty="0" smtClean="0">
+                <a:solidFill>
+                  <a:schemeClr val="tx1"/>
+                </a:solidFill>
+              </a:rPr>
+              <a:t>C-6</a:t>
+            </a:r>
+            <a:endParaRPr lang="en-AU" sz="2000" dirty="0">
+              <a:solidFill>
+                <a:schemeClr val="tx1"/>
+              </a:solidFill>
+            </a:endParaRPr>
+          </a:p>
+        </p:txBody>
+      </p:sp>
+      <p:sp>
+        <p:nvSpPr>
+          <p:cNvPr id="6" name="Rectangle 5"/>
+          <p:cNvSpPr/>
+          <p:nvPr/>
+        </p:nvSpPr>
+        <p:spPr>
+          <a:xfrm>
+            <a:off x="831153" y="109410"/>
+            <a:ext cx="7380000" cy="540000"/>
+          </a:xfrm>
+          <a:prstGeom prst="rect">
+            <a:avLst/>
+          </a:prstGeom>
+          <a:ln>
+            <a:solidFill>
+              <a:schemeClr val="accent1">
+                <a:lumMod val="50000"/>
+              </a:schemeClr>
+            </a:solidFill>
+          </a:ln>
+        </p:spPr>
+        <p:style>
+          <a:lnRef idx="2">
+            <a:schemeClr val="accent1">
+              <a:shade val="50000"/>
+            </a:schemeClr>
+          </a:lnRef>
+          <a:fillRef idx="1">
+            <a:schemeClr val="accent1"/>
+          </a:fillRef>
+          <a:effectRef idx="0">
+            <a:schemeClr val="accent1"/>
+          </a:effectRef>
+          <a:fontRef idx="minor">
+            <a:schemeClr val="lt1"/>
+          </a:fontRef>
+        </p:style>
+        <p:txBody>
+          <a:bodyPr rtlCol="0" anchor="ctr"/>
+          <a:lstStyle/>
+          <a:p>
+            <a:pPr algn="ctr"/>
+            <a:r>
+              <a:rPr lang="en-AU" sz="2800" dirty="0" smtClean="0"/>
+              <a:t>Staff Account</a:t>
+            </a:r>
+            <a:endParaRPr lang="en-AU" sz="2800" dirty="0"/>
+          </a:p>
+        </p:txBody>
+      </p:sp>
+      <p:sp>
+        <p:nvSpPr>
+          <p:cNvPr id="7" name="Rectangle 6"/>
+          <p:cNvSpPr/>
+          <p:nvPr/>
+        </p:nvSpPr>
+        <p:spPr>
+          <a:xfrm>
+            <a:off x="39153" y="822470"/>
+            <a:ext cx="9828000" cy="2340000"/>
+          </a:xfrm>
+          <a:prstGeom prst="rect">
+            <a:avLst/>
+          </a:prstGeom>
+          <a:solidFill>
+            <a:schemeClr val="tx2">
+              <a:lumMod val="20000"/>
+              <a:lumOff val="80000"/>
+            </a:schemeClr>
+          </a:solidFill>
+          <a:ln>
+            <a:solidFill>
+              <a:schemeClr val="accent1">
+                <a:lumMod val="50000"/>
+              </a:schemeClr>
+            </a:solidFill>
+          </a:ln>
+        </p:spPr>
+        <p:style>
+          <a:lnRef idx="2">
+            <a:schemeClr val="accent1">
+              <a:shade val="50000"/>
+            </a:schemeClr>
+          </a:lnRef>
+          <a:fillRef idx="1">
+            <a:schemeClr val="accent1"/>
+          </a:fillRef>
+          <a:effectRef idx="0">
+            <a:schemeClr val="accent1"/>
+          </a:effectRef>
+          <a:fontRef idx="minor">
+            <a:schemeClr val="lt1"/>
+          </a:fontRef>
+        </p:style>
+        <p:txBody>
+          <a:bodyPr rtlCol="0" anchor="t" anchorCtr="0"/>
+          <a:lstStyle/>
+          <a:p>
+            <a:pPr lvl="0"/>
+            <a:r>
+              <a:rPr lang="en-US" sz="2400" dirty="0">
+                <a:solidFill>
+                  <a:schemeClr val="tx1"/>
+                </a:solidFill>
+              </a:rPr>
+              <a:t>• 	</a:t>
+            </a:r>
+            <a:r>
+              <a:rPr lang="en-AU" sz="2400" dirty="0">
+                <a:solidFill>
+                  <a:schemeClr val="tx1"/>
+                </a:solidFill>
+              </a:rPr>
+              <a:t>As </a:t>
+            </a:r>
+            <a:r>
+              <a:rPr lang="en-AU" sz="2400" dirty="0">
+                <a:solidFill>
+                  <a:schemeClr val="tx1"/>
+                </a:solidFill>
+              </a:rPr>
+              <a:t>a</a:t>
+            </a:r>
+            <a:r>
+              <a:rPr lang="en-AU" sz="2400" dirty="0" smtClean="0">
+                <a:solidFill>
+                  <a:schemeClr val="tx1"/>
+                </a:solidFill>
+              </a:rPr>
+              <a:t> Customer </a:t>
+            </a:r>
+            <a:r>
+              <a:rPr lang="en-AU" sz="2400" dirty="0" smtClean="0">
+                <a:solidFill>
+                  <a:schemeClr val="tx1"/>
+                </a:solidFill>
+              </a:rPr>
+              <a:t>I want to </a:t>
+            </a:r>
+            <a:r>
+              <a:rPr lang="en-AU" sz="2400" dirty="0" smtClean="0">
+                <a:solidFill>
+                  <a:schemeClr val="tx1"/>
+                </a:solidFill>
+              </a:rPr>
+              <a:t>be able to update my account details so that I can update address, contact details, and my password should the need arise.			</a:t>
+            </a:r>
+            <a:endParaRPr lang="en-AU" sz="2400" dirty="0">
+              <a:solidFill>
+                <a:schemeClr val="tx1"/>
+              </a:solidFill>
+            </a:endParaRPr>
+          </a:p>
+        </p:txBody>
+      </p:sp>
+      <p:sp>
+        <p:nvSpPr>
+          <p:cNvPr id="8" name="Rectangle 7"/>
+          <p:cNvSpPr/>
+          <p:nvPr/>
+        </p:nvSpPr>
+        <p:spPr>
+          <a:xfrm>
+            <a:off x="39153" y="3335530"/>
+            <a:ext cx="9828000" cy="1620000"/>
+          </a:xfrm>
+          <a:prstGeom prst="rect">
+            <a:avLst/>
+          </a:prstGeom>
+          <a:solidFill>
+            <a:schemeClr val="accent1">
+              <a:lumMod val="20000"/>
+              <a:lumOff val="80000"/>
+            </a:schemeClr>
+          </a:solidFill>
+          <a:ln>
+            <a:solidFill>
+              <a:schemeClr val="accent1">
+                <a:lumMod val="50000"/>
+              </a:schemeClr>
+            </a:solidFill>
+          </a:ln>
+        </p:spPr>
+        <p:style>
+          <a:lnRef idx="2">
+            <a:schemeClr val="accent1">
+              <a:shade val="50000"/>
+            </a:schemeClr>
+          </a:lnRef>
+          <a:fillRef idx="1">
+            <a:schemeClr val="accent1"/>
+          </a:fillRef>
+          <a:effectRef idx="0">
+            <a:schemeClr val="accent1"/>
+          </a:effectRef>
+          <a:fontRef idx="minor">
+            <a:schemeClr val="lt1"/>
+          </a:fontRef>
+        </p:style>
+        <p:txBody>
+          <a:bodyPr tIns="36000" rtlCol="0" anchor="t" anchorCtr="0"/>
+          <a:lstStyle/>
+          <a:p>
+            <a:r>
+              <a:rPr lang="en-AU" sz="2000" dirty="0">
+                <a:solidFill>
+                  <a:schemeClr val="tx1"/>
+                </a:solidFill>
+              </a:rPr>
+              <a:t>Acceptance Criteria</a:t>
+            </a:r>
+          </a:p>
+          <a:p>
+            <a:pPr marL="179388" indent="-179388">
+              <a:buFont typeface="Arial" pitchFamily="34" charset="0"/>
+              <a:buChar char="•"/>
+            </a:pPr>
+            <a:r>
+              <a:rPr lang="en-AU" sz="2000" dirty="0" smtClean="0">
+                <a:solidFill>
+                  <a:schemeClr val="tx1"/>
+                </a:solidFill>
+              </a:rPr>
+              <a:t>You can access and manipulate account settings without accessing the system framework</a:t>
+            </a:r>
+          </a:p>
+          <a:p>
+            <a:pPr marL="179388" indent="-179388">
+              <a:buFont typeface="Arial" pitchFamily="34" charset="0"/>
+              <a:buChar char="•"/>
+            </a:pPr>
+            <a:r>
+              <a:rPr lang="en-AU" sz="2000" dirty="0" smtClean="0">
+                <a:solidFill>
+                  <a:schemeClr val="tx1"/>
+                </a:solidFill>
+              </a:rPr>
+              <a:t>Account settings include: Address, contact details and password. </a:t>
+            </a:r>
+            <a:endParaRPr lang="en-AU" sz="2000" dirty="0" smtClean="0">
+              <a:solidFill>
+                <a:schemeClr val="tx1"/>
+              </a:solidFill>
+            </a:endParaRPr>
+          </a:p>
+          <a:p>
+            <a:pPr marL="179388" indent="-179388">
+              <a:buFont typeface="Arial" pitchFamily="34" charset="0"/>
+              <a:buChar char="•"/>
+            </a:pPr>
+            <a:endParaRPr lang="en-AU" sz="2000" dirty="0">
+              <a:solidFill>
+                <a:schemeClr val="tx1"/>
+              </a:solidFill>
+            </a:endParaRPr>
+          </a:p>
+        </p:txBody>
+      </p:sp>
+      <p:sp>
+        <p:nvSpPr>
+          <p:cNvPr id="11" name="Rectangle 10"/>
+          <p:cNvSpPr/>
+          <p:nvPr/>
+        </p:nvSpPr>
+        <p:spPr>
+          <a:xfrm>
+            <a:off x="9147153" y="109410"/>
+            <a:ext cx="720000" cy="540000"/>
+          </a:xfrm>
+          <a:prstGeom prst="rect">
+            <a:avLst/>
+          </a:prstGeom>
+          <a:solidFill>
+            <a:srgbClr val="CCF0CD">
+              <a:alpha val="20000"/>
+            </a:srgbClr>
+          </a:solidFill>
+          <a:ln>
+            <a:solidFill>
+              <a:schemeClr val="accent1">
+                <a:lumMod val="50000"/>
+              </a:schemeClr>
+            </a:solidFill>
+          </a:ln>
+        </p:spPr>
+        <p:style>
+          <a:lnRef idx="2">
+            <a:schemeClr val="accent1">
+              <a:shade val="50000"/>
+            </a:schemeClr>
+          </a:lnRef>
+          <a:fillRef idx="1">
+            <a:schemeClr val="accent1"/>
+          </a:fillRef>
+          <a:effectRef idx="0">
+            <a:schemeClr val="accent1"/>
+          </a:effectRef>
+          <a:fontRef idx="minor">
+            <a:schemeClr val="lt1"/>
+          </a:fontRef>
+        </p:style>
+        <p:txBody>
+          <a:bodyPr wrap="square" lIns="0" rIns="0" rtlCol="0" anchor="ctr"/>
+          <a:lstStyle/>
+          <a:p>
+            <a:pPr algn="ctr"/>
+            <a:r>
+              <a:rPr lang="en-AU" sz="2000" dirty="0">
+                <a:solidFill>
+                  <a:schemeClr val="tx1"/>
+                </a:solidFill>
+              </a:rPr>
+              <a:t>4</a:t>
+            </a:r>
+          </a:p>
+        </p:txBody>
+      </p:sp>
+      <p:sp>
+        <p:nvSpPr>
+          <p:cNvPr id="12" name="Rectangle 11"/>
+          <p:cNvSpPr/>
+          <p:nvPr/>
+        </p:nvSpPr>
+        <p:spPr>
+          <a:xfrm>
+            <a:off x="8283153" y="109410"/>
+            <a:ext cx="792000" cy="540000"/>
+          </a:xfrm>
+          <a:prstGeom prst="rect">
+            <a:avLst/>
+          </a:prstGeom>
+          <a:solidFill>
+            <a:schemeClr val="accent4">
+              <a:lumMod val="20000"/>
+              <a:lumOff val="80000"/>
+            </a:schemeClr>
+          </a:solidFill>
+          <a:ln>
+            <a:solidFill>
+              <a:schemeClr val="accent1">
+                <a:lumMod val="50000"/>
+              </a:schemeClr>
+            </a:solidFill>
+          </a:ln>
+        </p:spPr>
+        <p:style>
+          <a:lnRef idx="2">
+            <a:schemeClr val="accent1">
+              <a:shade val="50000"/>
+            </a:schemeClr>
+          </a:lnRef>
+          <a:fillRef idx="1">
+            <a:schemeClr val="accent1"/>
+          </a:fillRef>
+          <a:effectRef idx="0">
+            <a:schemeClr val="accent1"/>
+          </a:effectRef>
+          <a:fontRef idx="minor">
+            <a:schemeClr val="lt1"/>
+          </a:fontRef>
+        </p:style>
+        <p:txBody>
+          <a:bodyPr wrap="none" lIns="0" rIns="0" rtlCol="0" anchor="ctr"/>
+          <a:lstStyle/>
+          <a:p>
+            <a:pPr algn="ctr"/>
+            <a:r>
+              <a:rPr lang="en-AU" sz="2000" dirty="0" smtClean="0">
+                <a:solidFill>
+                  <a:schemeClr val="tx1"/>
+                </a:solidFill>
+              </a:rPr>
+              <a:t>Must</a:t>
+            </a:r>
+            <a:endParaRPr lang="en-AU" sz="2000" dirty="0">
+              <a:solidFill>
+                <a:schemeClr val="tx1"/>
+              </a:solidFill>
+            </a:endParaRPr>
+          </a:p>
+        </p:txBody>
+      </p:sp>
+      <p:sp>
+        <p:nvSpPr>
+          <p:cNvPr id="13" name="Rectangle 12"/>
+          <p:cNvSpPr/>
+          <p:nvPr/>
+        </p:nvSpPr>
+        <p:spPr>
+          <a:xfrm>
+            <a:off x="39153" y="5128590"/>
+            <a:ext cx="9828000" cy="1620000"/>
+          </a:xfrm>
+          <a:prstGeom prst="rect">
+            <a:avLst/>
+          </a:prstGeom>
+          <a:solidFill>
+            <a:schemeClr val="bg1"/>
+          </a:solidFill>
+          <a:ln>
+            <a:solidFill>
+              <a:schemeClr val="accent1">
+                <a:lumMod val="50000"/>
+              </a:schemeClr>
+            </a:solidFill>
+          </a:ln>
+        </p:spPr>
+        <p:style>
+          <a:lnRef idx="2">
+            <a:schemeClr val="accent1">
+              <a:shade val="50000"/>
+            </a:schemeClr>
+          </a:lnRef>
+          <a:fillRef idx="1">
+            <a:schemeClr val="accent1"/>
+          </a:fillRef>
+          <a:effectRef idx="0">
+            <a:schemeClr val="accent1"/>
+          </a:effectRef>
+          <a:fontRef idx="minor">
+            <a:schemeClr val="lt1"/>
+          </a:fontRef>
+        </p:style>
+        <p:txBody>
+          <a:bodyPr tIns="36000" rtlCol="0" anchor="t" anchorCtr="0"/>
+          <a:lstStyle/>
+          <a:p>
+            <a:r>
+              <a:rPr lang="en-AU" sz="2000" dirty="0" smtClean="0">
+                <a:solidFill>
+                  <a:schemeClr val="tx1"/>
+                </a:solidFill>
+              </a:rPr>
+              <a:t>Notes</a:t>
+            </a:r>
+          </a:p>
+          <a:p>
+            <a:pPr marL="179388" indent="-179388">
+              <a:buFont typeface="Arial" pitchFamily="34" charset="0"/>
+              <a:buChar char="•"/>
+            </a:pPr>
+            <a:r>
+              <a:rPr lang="en-AU" sz="2000" smtClean="0">
+                <a:solidFill>
+                  <a:schemeClr val="tx1"/>
+                </a:solidFill>
+              </a:rPr>
+              <a:t>Story overlaps with E-6</a:t>
+            </a:r>
+            <a:endParaRPr lang="en-AU" sz="2000" dirty="0">
+              <a:solidFill>
+                <a:schemeClr val="tx1"/>
+              </a:solidFill>
+            </a:endParaRPr>
+          </a:p>
+        </p:txBody>
+      </p:sp>
+    </p:spTree>
+    <p:extLst>
+      <p:ext uri="{BB962C8B-B14F-4D97-AF65-F5344CB8AC3E}">
+        <p14:creationId xmlns:p14="http://schemas.microsoft.com/office/powerpoint/2010/main" val="4112862136"/>
+      </p:ext>
+    </p:extLst>
+  </p:cSld>
+  <p:clrMapOvr>
+    <a:masterClrMapping/>
+  </p:clrMapOvr>
+</p:sld>
+</file>
+
 <file path=ppt/slides/slide3.xml><?xml version="1.0" encoding="utf-8"?>
 <p:sld xmlns:a="http://schemas.openxmlformats.org/drawingml/2006/main" xmlns:r="http://schemas.openxmlformats.org/officeDocument/2006/relationships" xmlns:p="http://schemas.openxmlformats.org/presentationml/2006/main">
   <p:cSld>

--- a/doc/Our story cards.pptx
+++ b/doc/Our story cards.pptx
@@ -8482,6 +8482,19 @@
               </a:rPr>
               <a:t> </a:t>
             </a:r>
+            <a:r>
+              <a:rPr lang="en-AU" sz="2000" dirty="0" smtClean="0">
+                <a:solidFill>
+                  <a:schemeClr val="tx1"/>
+                </a:solidFill>
+              </a:rPr>
+              <a:t>Overlaps with C-6</a:t>
+            </a:r>
+            <a:endParaRPr lang="en-AU" sz="2000" dirty="0">
+              <a:solidFill>
+                <a:schemeClr val="tx1"/>
+              </a:solidFill>
+            </a:endParaRPr>
           </a:p>
         </p:txBody>
       </p:sp>
@@ -9892,7 +9905,7 @@
             <a:pPr algn="ctr"/>
             <a:r>
               <a:rPr lang="en-AU" sz="2800" dirty="0" smtClean="0"/>
-              <a:t>Staff Account</a:t>
+              <a:t>Account Management</a:t>
             </a:r>
             <a:endParaRPr lang="en-AU" sz="2800" dirty="0"/>
           </a:p>
@@ -10290,12 +10303,26 @@
               <a:buChar char="•"/>
             </a:pPr>
             <a:r>
-              <a:rPr lang="en-AU" sz="2000" smtClean="0">
+              <a:rPr lang="en-AU" sz="2000" dirty="0" smtClean="0">
                 <a:solidFill>
                   <a:schemeClr val="tx1"/>
                 </a:solidFill>
               </a:rPr>
               <a:t>Story overlaps with E-6</a:t>
+            </a:r>
+          </a:p>
+          <a:p>
+            <a:pPr marL="179388" indent="-179388">
+              <a:buFont typeface="Arial" pitchFamily="34" charset="0"/>
+              <a:buChar char="•"/>
+            </a:pPr>
+            <a:r>
+              <a:rPr lang="en-AU" sz="2000" dirty="0" smtClean="0">
+                <a:solidFill>
+                  <a:schemeClr val="tx1"/>
+                </a:solidFill>
+              </a:rPr>
+              <a:t>Signed off by team 118 (Kane N8866856) on Oct 5 2016</a:t>
             </a:r>
             <a:endParaRPr lang="en-AU" sz="2000" dirty="0">
               <a:solidFill>
